--- a/Donal_McLaughlin_WeeklyReport.pptx
+++ b/Donal_McLaughlin_WeeklyReport.pptx
@@ -6,9 +6,13 @@
   </p:sldMasterIdLst>
   <p:sldIdLst>
     <p:sldId id="256" r:id="rId2"/>
-    <p:sldId id="257" r:id="rId3"/>
-    <p:sldId id="258" r:id="rId4"/>
-    <p:sldId id="259" r:id="rId5"/>
+    <p:sldId id="263" r:id="rId3"/>
+    <p:sldId id="260" r:id="rId4"/>
+    <p:sldId id="261" r:id="rId5"/>
+    <p:sldId id="262" r:id="rId6"/>
+    <p:sldId id="257" r:id="rId7"/>
+    <p:sldId id="258" r:id="rId8"/>
+    <p:sldId id="259" r:id="rId9"/>
   </p:sldIdLst>
   <p:sldSz cx="12192000" cy="6858000"/>
   <p:notesSz cx="6858000" cy="9144000"/>
@@ -264,7 +268,7 @@
           <a:p>
             <a:fld id="{3B5C623A-FD91-4D82-9DB7-2B8433CF7503}" type="datetimeFigureOut">
               <a:rPr lang="en-GB" smtClean="0"/>
-              <a:t>22/06/2018</a:t>
+              <a:t>03/07/2018</a:t>
             </a:fld>
             <a:endParaRPr lang="en-GB"/>
           </a:p>
@@ -464,7 +468,7 @@
           <a:p>
             <a:fld id="{3B5C623A-FD91-4D82-9DB7-2B8433CF7503}" type="datetimeFigureOut">
               <a:rPr lang="en-GB" smtClean="0"/>
-              <a:t>22/06/2018</a:t>
+              <a:t>03/07/2018</a:t>
             </a:fld>
             <a:endParaRPr lang="en-GB"/>
           </a:p>
@@ -674,7 +678,7 @@
           <a:p>
             <a:fld id="{3B5C623A-FD91-4D82-9DB7-2B8433CF7503}" type="datetimeFigureOut">
               <a:rPr lang="en-GB" smtClean="0"/>
-              <a:t>22/06/2018</a:t>
+              <a:t>03/07/2018</a:t>
             </a:fld>
             <a:endParaRPr lang="en-GB"/>
           </a:p>
@@ -874,7 +878,7 @@
           <a:p>
             <a:fld id="{3B5C623A-FD91-4D82-9DB7-2B8433CF7503}" type="datetimeFigureOut">
               <a:rPr lang="en-GB" smtClean="0"/>
-              <a:t>22/06/2018</a:t>
+              <a:t>03/07/2018</a:t>
             </a:fld>
             <a:endParaRPr lang="en-GB"/>
           </a:p>
@@ -1150,7 +1154,7 @@
           <a:p>
             <a:fld id="{3B5C623A-FD91-4D82-9DB7-2B8433CF7503}" type="datetimeFigureOut">
               <a:rPr lang="en-GB" smtClean="0"/>
-              <a:t>22/06/2018</a:t>
+              <a:t>03/07/2018</a:t>
             </a:fld>
             <a:endParaRPr lang="en-GB"/>
           </a:p>
@@ -1418,7 +1422,7 @@
           <a:p>
             <a:fld id="{3B5C623A-FD91-4D82-9DB7-2B8433CF7503}" type="datetimeFigureOut">
               <a:rPr lang="en-GB" smtClean="0"/>
-              <a:t>22/06/2018</a:t>
+              <a:t>03/07/2018</a:t>
             </a:fld>
             <a:endParaRPr lang="en-GB"/>
           </a:p>
@@ -1833,7 +1837,7 @@
           <a:p>
             <a:fld id="{3B5C623A-FD91-4D82-9DB7-2B8433CF7503}" type="datetimeFigureOut">
               <a:rPr lang="en-GB" smtClean="0"/>
-              <a:t>22/06/2018</a:t>
+              <a:t>03/07/2018</a:t>
             </a:fld>
             <a:endParaRPr lang="en-GB"/>
           </a:p>
@@ -1975,7 +1979,7 @@
           <a:p>
             <a:fld id="{3B5C623A-FD91-4D82-9DB7-2B8433CF7503}" type="datetimeFigureOut">
               <a:rPr lang="en-GB" smtClean="0"/>
-              <a:t>22/06/2018</a:t>
+              <a:t>03/07/2018</a:t>
             </a:fld>
             <a:endParaRPr lang="en-GB"/>
           </a:p>
@@ -2088,7 +2092,7 @@
           <a:p>
             <a:fld id="{3B5C623A-FD91-4D82-9DB7-2B8433CF7503}" type="datetimeFigureOut">
               <a:rPr lang="en-GB" smtClean="0"/>
-              <a:t>22/06/2018</a:t>
+              <a:t>03/07/2018</a:t>
             </a:fld>
             <a:endParaRPr lang="en-GB"/>
           </a:p>
@@ -2401,7 +2405,7 @@
           <a:p>
             <a:fld id="{3B5C623A-FD91-4D82-9DB7-2B8433CF7503}" type="datetimeFigureOut">
               <a:rPr lang="en-GB" smtClean="0"/>
-              <a:t>22/06/2018</a:t>
+              <a:t>03/07/2018</a:t>
             </a:fld>
             <a:endParaRPr lang="en-GB"/>
           </a:p>
@@ -2690,7 +2694,7 @@
           <a:p>
             <a:fld id="{3B5C623A-FD91-4D82-9DB7-2B8433CF7503}" type="datetimeFigureOut">
               <a:rPr lang="en-GB" smtClean="0"/>
-              <a:t>22/06/2018</a:t>
+              <a:t>03/07/2018</a:t>
             </a:fld>
             <a:endParaRPr lang="en-GB"/>
           </a:p>
@@ -2933,7 +2937,7 @@
           <a:p>
             <a:fld id="{3B5C623A-FD91-4D82-9DB7-2B8433CF7503}" type="datetimeFigureOut">
               <a:rPr lang="en-GB" smtClean="0"/>
-              <a:t>22/06/2018</a:t>
+              <a:t>03/07/2018</a:t>
             </a:fld>
             <a:endParaRPr lang="en-GB"/>
           </a:p>
@@ -3754,7 +3758,7 @@
           <p:cNvPr id="2" name="Title 1">
             <a:extLst>
               <a:ext uri="{FF2B5EF4-FFF2-40B4-BE49-F238E27FC236}">
-                <a16:creationId xmlns:a16="http://schemas.microsoft.com/office/drawing/2014/main" id="{8D04BF61-7610-459E-8617-D7701D0D1200}"/>
+                <a16:creationId xmlns:a16="http://schemas.microsoft.com/office/drawing/2014/main" id="{B18FEA32-C104-4D65-B97B-A6E3529771F8}"/>
               </a:ext>
             </a:extLst>
           </p:cNvPr>
@@ -3767,142 +3771,35 @@
         </p:nvSpPr>
         <p:spPr>
           <a:xfrm>
-            <a:off x="0" y="0"/>
-            <a:ext cx="10515600" cy="1325563"/>
-          </a:xfrm>
-        </p:spPr>
-        <p:txBody>
-          <a:bodyPr/>
-          <a:lstStyle/>
-          <a:p>
-            <a:r>
-              <a:rPr lang="en-GB" dirty="0"/>
-              <a:t>Completed	-	Fri 22/06/18</a:t>
-            </a:r>
-          </a:p>
-        </p:txBody>
-      </p:sp>
-      <p:sp>
-        <p:nvSpPr>
-          <p:cNvPr id="3" name="Content Placeholder 2">
-            <a:extLst>
-              <a:ext uri="{FF2B5EF4-FFF2-40B4-BE49-F238E27FC236}">
-                <a16:creationId xmlns:a16="http://schemas.microsoft.com/office/drawing/2014/main" id="{9B875F10-D90A-443B-BAB5-D568D1E09E1F}"/>
-              </a:ext>
-            </a:extLst>
-          </p:cNvPr>
-          <p:cNvSpPr>
-            <a:spLocks noGrp="1"/>
-          </p:cNvSpPr>
-          <p:nvPr>
-            <p:ph idx="1"/>
-          </p:nvPr>
-        </p:nvSpPr>
-        <p:spPr/>
+            <a:off x="1107831" y="2766218"/>
+            <a:ext cx="10102362" cy="1325563"/>
+          </a:xfrm>
+        </p:spPr>
         <p:txBody>
           <a:bodyPr>
-            <a:normAutofit fontScale="85000" lnSpcReduction="20000"/>
+            <a:noAutofit/>
           </a:bodyPr>
           <a:lstStyle/>
           <a:p>
             <a:r>
-              <a:rPr lang="en-GB" dirty="0"/>
-              <a:t>Connection between the photon-particle device and MySQL database on AWS via webhooks, Amazon API Gateway and Amazon Lambda</a:t>
-            </a:r>
-          </a:p>
-          <a:p>
-            <a:pPr lvl="1"/>
-            <a:r>
-              <a:rPr lang="en-GB" dirty="0"/>
-              <a:t>Photon is currently running a random number generator with no sensors attached</a:t>
-            </a:r>
-          </a:p>
-          <a:p>
-            <a:r>
-              <a:rPr lang="en-GB" dirty="0"/>
-              <a:t>Use of AWS’s Amazon Machine Leaning function to train and test dummy CRP results from a LED-LED detector device. </a:t>
-            </a:r>
-          </a:p>
-          <a:p>
-            <a:pPr lvl="1"/>
-            <a:r>
-              <a:rPr lang="en-GB" dirty="0"/>
-              <a:t>This function can be used to predict concentrations of the antibody generated within contact of the CRP.</a:t>
-            </a:r>
-          </a:p>
-          <a:p>
-            <a:r>
-              <a:rPr lang="en-GB" dirty="0"/>
-              <a:t>Version Control Setup</a:t>
-            </a:r>
-          </a:p>
-          <a:p>
-            <a:pPr lvl="1"/>
-            <a:r>
-              <a:rPr lang="en-GB" dirty="0"/>
-              <a:t>Dropbox	</a:t>
-            </a:r>
-          </a:p>
-          <a:p>
-            <a:pPr lvl="1"/>
-            <a:r>
-              <a:rPr lang="en-GB" dirty="0"/>
-              <a:t>GitHub		https://github.com/donalmclaughlin/Nibec.git</a:t>
-            </a:r>
-          </a:p>
-          <a:p>
-            <a:r>
-              <a:rPr lang="en-GB" dirty="0"/>
-              <a:t>Lynda Tutorials:</a:t>
-            </a:r>
-          </a:p>
-          <a:p>
-            <a:pPr lvl="1"/>
-            <a:r>
-              <a:rPr lang="en-GB" dirty="0">
-                <a:hlinkClick r:id="rId2"/>
+              <a:rPr lang="en-GB" sz="23900" b="1" dirty="0">
+                <a:effectLst>
+                  <a:outerShdw blurRad="38100" dist="38100" dir="2700000" algn="tl">
+                    <a:srgbClr val="000000">
+                      <a:alpha val="43137"/>
+                    </a:srgbClr>
+                  </a:outerShdw>
+                </a:effectLst>
               </a:rPr>
-              <a:t>AWS Essential Training</a:t>
-            </a:r>
-            <a:endParaRPr lang="en-GB" dirty="0"/>
-          </a:p>
-          <a:p>
-            <a:pPr lvl="1"/>
-            <a:r>
-              <a:rPr lang="en-US" dirty="0">
-                <a:hlinkClick r:id="rId3"/>
-              </a:rPr>
-              <a:t>AWS Machine Learning by Example</a:t>
-            </a:r>
-            <a:endParaRPr lang="en-US" dirty="0"/>
-          </a:p>
-          <a:p>
-            <a:pPr lvl="1"/>
-            <a:r>
-              <a:rPr lang="en-US" dirty="0">
-                <a:hlinkClick r:id="rId4"/>
-              </a:rPr>
-              <a:t>AWS Machine Leaning Essential Training</a:t>
-            </a:r>
-            <a:endParaRPr lang="en-US" dirty="0"/>
-          </a:p>
-          <a:p>
-            <a:pPr lvl="1"/>
-            <a:endParaRPr lang="en-US" b="1" dirty="0"/>
-          </a:p>
-          <a:p>
-            <a:pPr lvl="1"/>
-            <a:endParaRPr lang="en-US" b="1" dirty="0"/>
-          </a:p>
-          <a:p>
-            <a:endParaRPr lang="en-GB" dirty="0"/>
+              <a:t>WEEK 2</a:t>
+            </a:r>
           </a:p>
         </p:txBody>
       </p:sp>
     </p:spTree>
     <p:extLst>
       <p:ext uri="{BB962C8B-B14F-4D97-AF65-F5344CB8AC3E}">
-        <p14:creationId xmlns:p14="http://schemas.microsoft.com/office/powerpoint/2010/main" val="1620000505"/>
+        <p14:creationId xmlns:p14="http://schemas.microsoft.com/office/powerpoint/2010/main" val="4095339482"/>
       </p:ext>
     </p:extLst>
   </p:cSld>
@@ -3934,6 +3831,559 @@
           <p:cNvPr id="2" name="Title 1">
             <a:extLst>
               <a:ext uri="{FF2B5EF4-FFF2-40B4-BE49-F238E27FC236}">
+                <a16:creationId xmlns:a16="http://schemas.microsoft.com/office/drawing/2014/main" id="{8D04BF61-7610-459E-8617-D7701D0D1200}"/>
+              </a:ext>
+            </a:extLst>
+          </p:cNvPr>
+          <p:cNvSpPr>
+            <a:spLocks noGrp="1"/>
+          </p:cNvSpPr>
+          <p:nvPr>
+            <p:ph type="title"/>
+          </p:nvPr>
+        </p:nvSpPr>
+        <p:spPr>
+          <a:xfrm>
+            <a:off x="0" y="0"/>
+            <a:ext cx="10515600" cy="1325563"/>
+          </a:xfrm>
+        </p:spPr>
+        <p:txBody>
+          <a:bodyPr/>
+          <a:lstStyle/>
+          <a:p>
+            <a:r>
+              <a:rPr lang="en-GB" dirty="0"/>
+              <a:t>Completed	-	Fri 29/06/18</a:t>
+            </a:r>
+          </a:p>
+        </p:txBody>
+      </p:sp>
+      <p:sp>
+        <p:nvSpPr>
+          <p:cNvPr id="3" name="Content Placeholder 2">
+            <a:extLst>
+              <a:ext uri="{FF2B5EF4-FFF2-40B4-BE49-F238E27FC236}">
+                <a16:creationId xmlns:a16="http://schemas.microsoft.com/office/drawing/2014/main" id="{9B875F10-D90A-443B-BAB5-D568D1E09E1F}"/>
+              </a:ext>
+            </a:extLst>
+          </p:cNvPr>
+          <p:cNvSpPr>
+            <a:spLocks noGrp="1"/>
+          </p:cNvSpPr>
+          <p:nvPr>
+            <p:ph idx="1"/>
+          </p:nvPr>
+        </p:nvSpPr>
+        <p:spPr>
+          <a:xfrm>
+            <a:off x="565639" y="1720117"/>
+            <a:ext cx="10515600" cy="4351338"/>
+          </a:xfrm>
+        </p:spPr>
+        <p:txBody>
+          <a:bodyPr>
+            <a:normAutofit/>
+          </a:bodyPr>
+          <a:lstStyle/>
+          <a:p>
+            <a:pPr lvl="1"/>
+            <a:r>
+              <a:rPr lang="en-GB" dirty="0"/>
+              <a:t>Create a basic web application on Localhost to query the database using primarily PHP</a:t>
+            </a:r>
+          </a:p>
+          <a:p>
+            <a:pPr lvl="1"/>
+            <a:r>
+              <a:rPr lang="en-GB" dirty="0"/>
+              <a:t>Alter a web application for </a:t>
+            </a:r>
+            <a:r>
+              <a:rPr lang="en-GB" dirty="0" err="1"/>
+              <a:t>SafeWater</a:t>
+            </a:r>
+            <a:r>
+              <a:rPr lang="en-GB" dirty="0"/>
+              <a:t> with </a:t>
+            </a:r>
+          </a:p>
+          <a:p>
+            <a:pPr lvl="2"/>
+            <a:r>
+              <a:rPr lang="en-GB" dirty="0"/>
+              <a:t>increased logic</a:t>
+            </a:r>
+          </a:p>
+          <a:p>
+            <a:pPr lvl="2"/>
+            <a:r>
+              <a:rPr lang="en-GB" dirty="0"/>
+              <a:t>Input fields to output .csv files from MySQL database</a:t>
+            </a:r>
+          </a:p>
+          <a:p>
+            <a:pPr lvl="1"/>
+            <a:r>
+              <a:rPr lang="en-GB" dirty="0"/>
+              <a:t>Connected </a:t>
+            </a:r>
+            <a:r>
+              <a:rPr lang="en-GB" dirty="0" err="1"/>
+              <a:t>Arducam</a:t>
+            </a:r>
+            <a:r>
+              <a:rPr lang="en-GB" dirty="0"/>
+              <a:t> (CMOS) to Arduino board and have started imaging lateral flow strips</a:t>
+            </a:r>
+          </a:p>
+          <a:p>
+            <a:pPr lvl="1"/>
+            <a:r>
+              <a:rPr lang="en-GB" dirty="0"/>
+              <a:t>Using </a:t>
+            </a:r>
+            <a:r>
+              <a:rPr lang="en-GB" dirty="0" err="1"/>
+              <a:t>MatLab</a:t>
+            </a:r>
+            <a:r>
+              <a:rPr lang="en-GB" dirty="0"/>
+              <a:t> and Python techniques to isolate coloured regions within the strips</a:t>
+            </a:r>
+          </a:p>
+          <a:p>
+            <a:pPr lvl="1"/>
+            <a:endParaRPr lang="en-GB" dirty="0"/>
+          </a:p>
+          <a:p>
+            <a:pPr lvl="1"/>
+            <a:endParaRPr lang="en-US" b="1" dirty="0"/>
+          </a:p>
+          <a:p>
+            <a:pPr lvl="1"/>
+            <a:endParaRPr lang="en-US" b="1" dirty="0"/>
+          </a:p>
+          <a:p>
+            <a:endParaRPr lang="en-GB" dirty="0"/>
+          </a:p>
+        </p:txBody>
+      </p:sp>
+    </p:spTree>
+    <p:extLst>
+      <p:ext uri="{BB962C8B-B14F-4D97-AF65-F5344CB8AC3E}">
+        <p14:creationId xmlns:p14="http://schemas.microsoft.com/office/powerpoint/2010/main" val="3896644406"/>
+      </p:ext>
+    </p:extLst>
+  </p:cSld>
+  <p:clrMapOvr>
+    <a:masterClrMapping/>
+  </p:clrMapOvr>
+</p:sld>
+</file>
+
+<file path=ppt/slides/slide4.xml><?xml version="1.0" encoding="utf-8"?>
+<p:sld xmlns:a="http://schemas.openxmlformats.org/drawingml/2006/main" xmlns:r="http://schemas.openxmlformats.org/officeDocument/2006/relationships" xmlns:p="http://schemas.openxmlformats.org/presentationml/2006/main">
+  <p:cSld>
+    <p:spTree>
+      <p:nvGrpSpPr>
+        <p:cNvPr id="1" name=""/>
+        <p:cNvGrpSpPr/>
+        <p:nvPr/>
+      </p:nvGrpSpPr>
+      <p:grpSpPr>
+        <a:xfrm>
+          <a:off x="0" y="0"/>
+          <a:ext cx="0" cy="0"/>
+          <a:chOff x="0" y="0"/>
+          <a:chExt cx="0" cy="0"/>
+        </a:xfrm>
+      </p:grpSpPr>
+      <p:sp>
+        <p:nvSpPr>
+          <p:cNvPr id="2" name="Title 1">
+            <a:extLst>
+              <a:ext uri="{FF2B5EF4-FFF2-40B4-BE49-F238E27FC236}">
+                <a16:creationId xmlns:a16="http://schemas.microsoft.com/office/drawing/2014/main" id="{B18FEA32-C104-4D65-B97B-A6E3529771F8}"/>
+              </a:ext>
+            </a:extLst>
+          </p:cNvPr>
+          <p:cNvSpPr>
+            <a:spLocks noGrp="1"/>
+          </p:cNvSpPr>
+          <p:nvPr>
+            <p:ph type="title"/>
+          </p:nvPr>
+        </p:nvSpPr>
+        <p:spPr>
+          <a:xfrm>
+            <a:off x="0" y="0"/>
+            <a:ext cx="10515600" cy="1325563"/>
+          </a:xfrm>
+        </p:spPr>
+        <p:txBody>
+          <a:bodyPr/>
+          <a:lstStyle/>
+          <a:p>
+            <a:r>
+              <a:rPr lang="en-GB" dirty="0"/>
+              <a:t>For Next Week	-	2/07/18 =&gt; 6/07/18</a:t>
+            </a:r>
+          </a:p>
+        </p:txBody>
+      </p:sp>
+      <p:sp>
+        <p:nvSpPr>
+          <p:cNvPr id="3" name="Content Placeholder 2">
+            <a:extLst>
+              <a:ext uri="{FF2B5EF4-FFF2-40B4-BE49-F238E27FC236}">
+                <a16:creationId xmlns:a16="http://schemas.microsoft.com/office/drawing/2014/main" id="{BD7785E3-4D86-4B40-A77D-7A0BAEBE6A31}"/>
+              </a:ext>
+            </a:extLst>
+          </p:cNvPr>
+          <p:cNvSpPr>
+            <a:spLocks noGrp="1"/>
+          </p:cNvSpPr>
+          <p:nvPr>
+            <p:ph idx="1"/>
+          </p:nvPr>
+        </p:nvSpPr>
+        <p:spPr/>
+        <p:txBody>
+          <a:bodyPr/>
+          <a:lstStyle/>
+          <a:p>
+            <a:r>
+              <a:rPr lang="en-GB" dirty="0"/>
+              <a:t>Continued work on </a:t>
+            </a:r>
+            <a:r>
+              <a:rPr lang="en-GB" dirty="0" err="1"/>
+              <a:t>SafeWater</a:t>
+            </a:r>
+            <a:r>
+              <a:rPr lang="en-GB" dirty="0"/>
+              <a:t> web application to improve logic</a:t>
+            </a:r>
+          </a:p>
+          <a:p>
+            <a:r>
+              <a:rPr lang="en-GB" dirty="0"/>
+              <a:t>Work on image analysis of lateral flow strips</a:t>
+            </a:r>
+          </a:p>
+          <a:p>
+            <a:r>
+              <a:rPr lang="en-GB" dirty="0"/>
+              <a:t>Connect </a:t>
+            </a:r>
+            <a:r>
+              <a:rPr lang="en-GB" dirty="0" err="1"/>
+              <a:t>Github</a:t>
+            </a:r>
+            <a:r>
+              <a:rPr lang="en-GB" dirty="0"/>
+              <a:t> repository of web application to AWS </a:t>
+            </a:r>
+            <a:r>
+              <a:rPr lang="en-GB" dirty="0" err="1"/>
+              <a:t>CodeDeploy</a:t>
+            </a:r>
+            <a:r>
+              <a:rPr lang="en-GB" dirty="0"/>
+              <a:t> to automate code deployment</a:t>
+            </a:r>
+          </a:p>
+        </p:txBody>
+      </p:sp>
+    </p:spTree>
+    <p:extLst>
+      <p:ext uri="{BB962C8B-B14F-4D97-AF65-F5344CB8AC3E}">
+        <p14:creationId xmlns:p14="http://schemas.microsoft.com/office/powerpoint/2010/main" val="2749337146"/>
+      </p:ext>
+    </p:extLst>
+  </p:cSld>
+  <p:clrMapOvr>
+    <a:masterClrMapping/>
+  </p:clrMapOvr>
+</p:sld>
+</file>
+
+<file path=ppt/slides/slide5.xml><?xml version="1.0" encoding="utf-8"?>
+<p:sld xmlns:a="http://schemas.openxmlformats.org/drawingml/2006/main" xmlns:r="http://schemas.openxmlformats.org/officeDocument/2006/relationships" xmlns:p="http://schemas.openxmlformats.org/presentationml/2006/main">
+  <p:cSld>
+    <p:spTree>
+      <p:nvGrpSpPr>
+        <p:cNvPr id="1" name=""/>
+        <p:cNvGrpSpPr/>
+        <p:nvPr/>
+      </p:nvGrpSpPr>
+      <p:grpSpPr>
+        <a:xfrm>
+          <a:off x="0" y="0"/>
+          <a:ext cx="0" cy="0"/>
+          <a:chOff x="0" y="0"/>
+          <a:chExt cx="0" cy="0"/>
+        </a:xfrm>
+      </p:grpSpPr>
+      <p:sp>
+        <p:nvSpPr>
+          <p:cNvPr id="2" name="Title 1">
+            <a:extLst>
+              <a:ext uri="{FF2B5EF4-FFF2-40B4-BE49-F238E27FC236}">
+                <a16:creationId xmlns:a16="http://schemas.microsoft.com/office/drawing/2014/main" id="{B18FEA32-C104-4D65-B97B-A6E3529771F8}"/>
+              </a:ext>
+            </a:extLst>
+          </p:cNvPr>
+          <p:cNvSpPr>
+            <a:spLocks noGrp="1"/>
+          </p:cNvSpPr>
+          <p:nvPr>
+            <p:ph type="title"/>
+          </p:nvPr>
+        </p:nvSpPr>
+        <p:spPr>
+          <a:xfrm>
+            <a:off x="1107831" y="2766218"/>
+            <a:ext cx="10102362" cy="1325563"/>
+          </a:xfrm>
+        </p:spPr>
+        <p:txBody>
+          <a:bodyPr>
+            <a:noAutofit/>
+          </a:bodyPr>
+          <a:lstStyle/>
+          <a:p>
+            <a:r>
+              <a:rPr lang="en-GB" sz="23900" b="1" dirty="0">
+                <a:effectLst>
+                  <a:outerShdw blurRad="38100" dist="38100" dir="2700000" algn="tl">
+                    <a:srgbClr val="000000">
+                      <a:alpha val="43137"/>
+                    </a:srgbClr>
+                  </a:outerShdw>
+                </a:effectLst>
+              </a:rPr>
+              <a:t>WEEK 1</a:t>
+            </a:r>
+          </a:p>
+        </p:txBody>
+      </p:sp>
+    </p:spTree>
+    <p:extLst>
+      <p:ext uri="{BB962C8B-B14F-4D97-AF65-F5344CB8AC3E}">
+        <p14:creationId xmlns:p14="http://schemas.microsoft.com/office/powerpoint/2010/main" val="1491701238"/>
+      </p:ext>
+    </p:extLst>
+  </p:cSld>
+  <p:clrMapOvr>
+    <a:masterClrMapping/>
+  </p:clrMapOvr>
+</p:sld>
+</file>
+
+<file path=ppt/slides/slide6.xml><?xml version="1.0" encoding="utf-8"?>
+<p:sld xmlns:a="http://schemas.openxmlformats.org/drawingml/2006/main" xmlns:r="http://schemas.openxmlformats.org/officeDocument/2006/relationships" xmlns:p="http://schemas.openxmlformats.org/presentationml/2006/main">
+  <p:cSld>
+    <p:spTree>
+      <p:nvGrpSpPr>
+        <p:cNvPr id="1" name=""/>
+        <p:cNvGrpSpPr/>
+        <p:nvPr/>
+      </p:nvGrpSpPr>
+      <p:grpSpPr>
+        <a:xfrm>
+          <a:off x="0" y="0"/>
+          <a:ext cx="0" cy="0"/>
+          <a:chOff x="0" y="0"/>
+          <a:chExt cx="0" cy="0"/>
+        </a:xfrm>
+      </p:grpSpPr>
+      <p:sp>
+        <p:nvSpPr>
+          <p:cNvPr id="2" name="Title 1">
+            <a:extLst>
+              <a:ext uri="{FF2B5EF4-FFF2-40B4-BE49-F238E27FC236}">
+                <a16:creationId xmlns:a16="http://schemas.microsoft.com/office/drawing/2014/main" id="{8D04BF61-7610-459E-8617-D7701D0D1200}"/>
+              </a:ext>
+            </a:extLst>
+          </p:cNvPr>
+          <p:cNvSpPr>
+            <a:spLocks noGrp="1"/>
+          </p:cNvSpPr>
+          <p:nvPr>
+            <p:ph type="title"/>
+          </p:nvPr>
+        </p:nvSpPr>
+        <p:spPr>
+          <a:xfrm>
+            <a:off x="0" y="0"/>
+            <a:ext cx="10515600" cy="1325563"/>
+          </a:xfrm>
+        </p:spPr>
+        <p:txBody>
+          <a:bodyPr/>
+          <a:lstStyle/>
+          <a:p>
+            <a:r>
+              <a:rPr lang="en-GB" dirty="0"/>
+              <a:t>Completed	-	Fri 22/06/18</a:t>
+            </a:r>
+          </a:p>
+        </p:txBody>
+      </p:sp>
+      <p:sp>
+        <p:nvSpPr>
+          <p:cNvPr id="3" name="Content Placeholder 2">
+            <a:extLst>
+              <a:ext uri="{FF2B5EF4-FFF2-40B4-BE49-F238E27FC236}">
+                <a16:creationId xmlns:a16="http://schemas.microsoft.com/office/drawing/2014/main" id="{9B875F10-D90A-443B-BAB5-D568D1E09E1F}"/>
+              </a:ext>
+            </a:extLst>
+          </p:cNvPr>
+          <p:cNvSpPr>
+            <a:spLocks noGrp="1"/>
+          </p:cNvSpPr>
+          <p:nvPr>
+            <p:ph idx="1"/>
+          </p:nvPr>
+        </p:nvSpPr>
+        <p:spPr/>
+        <p:txBody>
+          <a:bodyPr>
+            <a:normAutofit fontScale="85000" lnSpcReduction="20000"/>
+          </a:bodyPr>
+          <a:lstStyle/>
+          <a:p>
+            <a:r>
+              <a:rPr lang="en-GB" dirty="0"/>
+              <a:t>Connection between the photon-particle device and MySQL database on AWS via webhooks, Amazon API Gateway and Amazon Lambda</a:t>
+            </a:r>
+          </a:p>
+          <a:p>
+            <a:pPr lvl="1"/>
+            <a:r>
+              <a:rPr lang="en-GB" dirty="0"/>
+              <a:t>Photon is currently running a random number generator with no sensors attached</a:t>
+            </a:r>
+          </a:p>
+          <a:p>
+            <a:r>
+              <a:rPr lang="en-GB" dirty="0"/>
+              <a:t>Use of AWS’s Amazon Machine Leaning function to train and test dummy CRP results from a LED-LED detector device. </a:t>
+            </a:r>
+          </a:p>
+          <a:p>
+            <a:pPr lvl="1"/>
+            <a:r>
+              <a:rPr lang="en-GB" dirty="0"/>
+              <a:t>This function can be used to predict concentrations of the antibody generated within contact of the CRP.</a:t>
+            </a:r>
+          </a:p>
+          <a:p>
+            <a:r>
+              <a:rPr lang="en-GB" dirty="0"/>
+              <a:t>Version Control Setup</a:t>
+            </a:r>
+          </a:p>
+          <a:p>
+            <a:pPr lvl="1"/>
+            <a:r>
+              <a:rPr lang="en-GB" dirty="0"/>
+              <a:t>Dropbox	</a:t>
+            </a:r>
+          </a:p>
+          <a:p>
+            <a:pPr lvl="1"/>
+            <a:r>
+              <a:rPr lang="en-GB" dirty="0"/>
+              <a:t>GitHub		https://github.com/donalmclaughlin/Nibec.git</a:t>
+            </a:r>
+          </a:p>
+          <a:p>
+            <a:r>
+              <a:rPr lang="en-GB" dirty="0"/>
+              <a:t>Lynda Tutorials:</a:t>
+            </a:r>
+          </a:p>
+          <a:p>
+            <a:pPr lvl="1"/>
+            <a:r>
+              <a:rPr lang="en-GB" dirty="0">
+                <a:hlinkClick r:id="rId2"/>
+              </a:rPr>
+              <a:t>AWS Essential Training</a:t>
+            </a:r>
+            <a:endParaRPr lang="en-GB" dirty="0"/>
+          </a:p>
+          <a:p>
+            <a:pPr lvl="1"/>
+            <a:r>
+              <a:rPr lang="en-US" dirty="0">
+                <a:hlinkClick r:id="rId3"/>
+              </a:rPr>
+              <a:t>AWS Machine Learning by Example</a:t>
+            </a:r>
+            <a:endParaRPr lang="en-US" dirty="0"/>
+          </a:p>
+          <a:p>
+            <a:pPr lvl="1"/>
+            <a:r>
+              <a:rPr lang="en-US" dirty="0">
+                <a:hlinkClick r:id="rId4"/>
+              </a:rPr>
+              <a:t>AWS Machine Leaning Essential Training</a:t>
+            </a:r>
+            <a:endParaRPr lang="en-US" dirty="0"/>
+          </a:p>
+          <a:p>
+            <a:pPr lvl="1"/>
+            <a:endParaRPr lang="en-US" b="1" dirty="0"/>
+          </a:p>
+          <a:p>
+            <a:pPr lvl="1"/>
+            <a:endParaRPr lang="en-US" b="1" dirty="0"/>
+          </a:p>
+          <a:p>
+            <a:endParaRPr lang="en-GB" dirty="0"/>
+          </a:p>
+        </p:txBody>
+      </p:sp>
+    </p:spTree>
+    <p:extLst>
+      <p:ext uri="{BB962C8B-B14F-4D97-AF65-F5344CB8AC3E}">
+        <p14:creationId xmlns:p14="http://schemas.microsoft.com/office/powerpoint/2010/main" val="1620000505"/>
+      </p:ext>
+    </p:extLst>
+  </p:cSld>
+  <p:clrMapOvr>
+    <a:masterClrMapping/>
+  </p:clrMapOvr>
+</p:sld>
+</file>
+
+<file path=ppt/slides/slide7.xml><?xml version="1.0" encoding="utf-8"?>
+<p:sld xmlns:a="http://schemas.openxmlformats.org/drawingml/2006/main" xmlns:r="http://schemas.openxmlformats.org/officeDocument/2006/relationships" xmlns:p="http://schemas.openxmlformats.org/presentationml/2006/main">
+  <p:cSld>
+    <p:spTree>
+      <p:nvGrpSpPr>
+        <p:cNvPr id="1" name=""/>
+        <p:cNvGrpSpPr/>
+        <p:nvPr/>
+      </p:nvGrpSpPr>
+      <p:grpSpPr>
+        <a:xfrm>
+          <a:off x="0" y="0"/>
+          <a:ext cx="0" cy="0"/>
+          <a:chOff x="0" y="0"/>
+          <a:chExt cx="0" cy="0"/>
+        </a:xfrm>
+      </p:grpSpPr>
+      <p:sp>
+        <p:nvSpPr>
+          <p:cNvPr id="2" name="Title 1">
+            <a:extLst>
+              <a:ext uri="{FF2B5EF4-FFF2-40B4-BE49-F238E27FC236}">
                 <a16:creationId xmlns:a16="http://schemas.microsoft.com/office/drawing/2014/main" id="{AD02226C-EBEF-4526-8FCB-326DBAA845D6}"/>
               </a:ext>
             </a:extLst>
@@ -5247,7 +5697,7 @@
 </p:sld>
 </file>
 
-<file path=ppt/slides/slide4.xml><?xml version="1.0" encoding="utf-8"?>
+<file path=ppt/slides/slide8.xml><?xml version="1.0" encoding="utf-8"?>
 <p:sld xmlns:a="http://schemas.openxmlformats.org/drawingml/2006/main" xmlns:r="http://schemas.openxmlformats.org/officeDocument/2006/relationships" xmlns:p="http://schemas.openxmlformats.org/presentationml/2006/main">
   <p:cSld>
     <p:spTree>
